--- a/MiNT Test.pptx
+++ b/MiNT Test.pptx
@@ -3575,7 +3575,7 @@
             </a:pPr>
             <a:r>
               <a:rPr lang="en-US" sz="1800" b="1" i="1" dirty="0"/>
-              <a:t>(68 items)</a:t>
+              <a:t>(67 items)</a:t>
             </a:r>
           </a:p>
           <a:p>
